--- a/tcpdump数据流程.pptx
+++ b/tcpdump数据流程.pptx
@@ -111,7 +111,7 @@
   </p:defaultTextStyle>
   <p:extLst>
     <p:ext uri="{EFAFB233-063F-42B5-8137-9DF3F51BA10A}">
-      <p15:sldGuideLst xmlns:p15="http://schemas.microsoft.com/office/powerpoint/2012/main" xmlns="">
+      <p15:sldGuideLst xmlns="" xmlns:p15="http://schemas.microsoft.com/office/powerpoint/2012/main">
         <p15:guide id="1" orient="horz" pos="2160" userDrawn="1">
           <p15:clr>
             <a:srgbClr val="A4A3A4"/>
@@ -6695,7 +6695,7 @@
             </a:p>
             <a:p>
               <a:r>
-                <a:rPr lang="en-US" altLang="zh-CN" sz="1300" smtClean="0">
+                <a:rPr lang="en-US" altLang="zh-CN" sz="1200" smtClean="0">
                   <a:solidFill>
                     <a:schemeClr val="accent2">
                       <a:lumMod val="60000"/>
@@ -6708,7 +6708,7 @@
                 <a:t>/* </a:t>
               </a:r>
               <a:r>
-                <a:rPr lang="zh-CN" altLang="en-US" sz="1300">
+                <a:rPr lang="zh-CN" altLang="en-US" sz="1200" smtClean="0">
                   <a:solidFill>
                     <a:schemeClr val="accent2">
                       <a:lumMod val="60000"/>
@@ -6718,10 +6718,10 @@
                   <a:latin typeface="Microsoft YaHei Mono" pitchFamily="49" charset="-122"/>
                   <a:ea typeface="Microsoft YaHei Mono" pitchFamily="49" charset="-122"/>
                 </a:rPr>
-                <a:t>抓包时间戳</a:t>
+                <a:t>数据报头格式</a:t>
               </a:r>
               <a:r>
-                <a:rPr lang="en-US" altLang="zh-CN" sz="1300">
+                <a:rPr lang="en-US" altLang="zh-CN" sz="1200" smtClean="0">
                   <a:solidFill>
                     <a:schemeClr val="accent2">
                       <a:lumMod val="60000"/>
@@ -6731,12 +6731,25 @@
                   <a:latin typeface="Microsoft YaHei Mono" pitchFamily="49" charset="-122"/>
                   <a:ea typeface="Microsoft YaHei Mono" pitchFamily="49" charset="-122"/>
                 </a:rPr>
-                <a:t> */</a:t>
+                <a:t> </a:t>
+              </a:r>
+              <a:r>
+                <a:rPr lang="en-US" altLang="zh-CN" sz="1200">
+                  <a:solidFill>
+                    <a:schemeClr val="accent2">
+                      <a:lumMod val="60000"/>
+                      <a:lumOff val="40000"/>
+                    </a:schemeClr>
+                  </a:solidFill>
+                  <a:latin typeface="Microsoft YaHei Mono" pitchFamily="49" charset="-122"/>
+                  <a:ea typeface="Microsoft YaHei Mono" pitchFamily="49" charset="-122"/>
+                </a:rPr>
+                <a:t>*/</a:t>
               </a:r>
             </a:p>
             <a:p>
               <a:r>
-                <a:rPr lang="en-US" altLang="zh-CN" sz="1300">
+                <a:rPr lang="en-US" altLang="zh-CN" sz="1200">
                   <a:solidFill>
                     <a:schemeClr val="accent2">
                       <a:lumMod val="60000"/>
@@ -6751,7 +6764,7 @@
             </a:p>
             <a:p>
               <a:r>
-                <a:rPr lang="en-US" altLang="zh-CN" sz="1300">
+                <a:rPr lang="en-US" altLang="zh-CN" sz="1200">
                   <a:solidFill>
                     <a:schemeClr val="accent2">
                       <a:lumMod val="60000"/>
@@ -6766,14 +6779,14 @@
             </a:p>
             <a:p>
               <a:r>
-                <a:rPr lang="en-US" altLang="zh-CN" sz="1300">
+                <a:rPr lang="en-US" altLang="zh-CN" sz="1200">
                   <a:latin typeface="Microsoft YaHei Mono" pitchFamily="49" charset="-122"/>
                   <a:ea typeface="Microsoft YaHei Mono" pitchFamily="49" charset="-122"/>
                 </a:rPr>
                 <a:t>    </a:t>
               </a:r>
               <a:r>
-                <a:rPr lang="en-US" altLang="zh-CN" sz="1300">
+                <a:rPr lang="en-US" altLang="zh-CN" sz="1200">
                   <a:solidFill>
                     <a:schemeClr val="accent5">
                       <a:lumMod val="75000"/>
@@ -6787,7 +6800,7 @@
             </a:p>
             <a:p>
               <a:r>
-                <a:rPr lang="en-US" altLang="zh-CN" sz="1300">
+                <a:rPr lang="en-US" altLang="zh-CN" sz="1200">
                   <a:solidFill>
                     <a:schemeClr val="accent2">
                       <a:lumMod val="60000"/>
@@ -6802,7 +6815,7 @@
             </a:p>
             <a:p>
               <a:r>
-                <a:rPr lang="en-US" altLang="zh-CN" sz="1300">
+                <a:rPr lang="en-US" altLang="zh-CN" sz="1200">
                   <a:solidFill>
                     <a:schemeClr val="accent2">
                       <a:lumMod val="60000"/>
@@ -6817,7 +6830,7 @@
             </a:p>
             <a:p>
               <a:r>
-                <a:rPr lang="en-US" altLang="zh-CN" sz="1300">
+                <a:rPr lang="en-US" altLang="zh-CN" sz="1200">
                   <a:solidFill>
                     <a:schemeClr val="accent2">
                       <a:lumMod val="60000"/>
@@ -7075,7 +7088,31 @@
                   <a:latin typeface="Microsoft YaHei Mono" pitchFamily="49" charset="-122"/>
                   <a:ea typeface="Microsoft YaHei Mono" pitchFamily="49" charset="-122"/>
                 </a:rPr>
-                <a:t>数据报头格式</a:t>
+                <a:t>抓</a:t>
+              </a:r>
+              <a:r>
+                <a:rPr lang="zh-CN" altLang="en-US" sz="1200" smtClean="0">
+                  <a:solidFill>
+                    <a:schemeClr val="accent5">
+                      <a:lumMod val="75000"/>
+                    </a:schemeClr>
+                  </a:solidFill>
+                  <a:latin typeface="Microsoft YaHei Mono" pitchFamily="49" charset="-122"/>
+                  <a:ea typeface="Microsoft YaHei Mono" pitchFamily="49" charset="-122"/>
+                </a:rPr>
+                <a:t>包时间戳</a:t>
+              </a:r>
+              <a:r>
+                <a:rPr lang="en-US" altLang="zh-CN" sz="1200" smtClean="0">
+                  <a:solidFill>
+                    <a:schemeClr val="accent5">
+                      <a:lumMod val="75000"/>
+                    </a:schemeClr>
+                  </a:solidFill>
+                  <a:latin typeface="Microsoft YaHei Mono" pitchFamily="49" charset="-122"/>
+                  <a:ea typeface="Microsoft YaHei Mono" pitchFamily="49" charset="-122"/>
+                </a:rPr>
+                <a:t> </a:t>
               </a:r>
               <a:r>
                 <a:rPr lang="en-US" altLang="zh-CN" sz="1200">
@@ -7087,7 +7124,7 @@
                   <a:latin typeface="Microsoft YaHei Mono" pitchFamily="49" charset="-122"/>
                   <a:ea typeface="Microsoft YaHei Mono" pitchFamily="49" charset="-122"/>
                 </a:rPr>
-                <a:t> */</a:t>
+                <a:t>*/</a:t>
               </a:r>
             </a:p>
             <a:p>
@@ -8227,15 +8264,6 @@
               </a:rPr>
               <a:t>卡</a:t>
             </a:r>
-            <a:endParaRPr lang="zh-CN" altLang="en-US">
-              <a:solidFill>
-                <a:schemeClr val="accent3">
-                  <a:lumMod val="75000"/>
-                </a:schemeClr>
-              </a:solidFill>
-              <a:latin typeface="Microsoft YaHei Mono" pitchFamily="49" charset="-122"/>
-              <a:ea typeface="Microsoft YaHei Mono" pitchFamily="49" charset="-122"/>
-            </a:endParaRPr>
           </a:p>
         </p:txBody>
       </p:sp>
@@ -8837,7 +8865,7 @@
   <a:extraClrSchemeLst/>
   <a:extLst>
     <a:ext uri="{05A4C25C-085E-4340-85A3-A5531E510DB2}">
-      <thm15:themeFamily xmlns:thm15="http://schemas.microsoft.com/office/thememl/2012/main" xmlns="" name="Office Theme" id="{62F939B6-93AF-4DB8-9C6B-D6C7DFDC589F}" vid="{4A3C46E8-61CC-4603-A589-7422A47A8E4A}"/>
+      <thm15:themeFamily xmlns="" xmlns:thm15="http://schemas.microsoft.com/office/thememl/2012/main" name="Office Theme" id="{62F939B6-93AF-4DB8-9C6B-D6C7DFDC589F}" vid="{4A3C46E8-61CC-4603-A589-7422A47A8E4A}"/>
     </a:ext>
   </a:extLst>
 </a:theme>

--- a/tcpdump数据流程.pptx
+++ b/tcpdump数据流程.pptx
@@ -5,12 +5,13 @@
     <p:sldMasterId id="2147483656" r:id="rId1"/>
   </p:sldMasterIdLst>
   <p:notesMasterIdLst>
-    <p:notesMasterId r:id="rId5"/>
+    <p:notesMasterId r:id="rId6"/>
   </p:notesMasterIdLst>
   <p:sldIdLst>
     <p:sldId id="258" r:id="rId2"/>
     <p:sldId id="313" r:id="rId3"/>
     <p:sldId id="314" r:id="rId4"/>
+    <p:sldId id="315" r:id="rId5"/>
   </p:sldIdLst>
   <p:sldSz cx="12192000" cy="6858000"/>
   <p:notesSz cx="6858000" cy="9144000"/>
@@ -111,7 +112,7 @@
   </p:defaultTextStyle>
   <p:extLst>
     <p:ext uri="{EFAFB233-063F-42B5-8137-9DF3F51BA10A}">
-      <p15:sldGuideLst xmlns="" xmlns:p15="http://schemas.microsoft.com/office/powerpoint/2012/main">
+      <p15:sldGuideLst xmlns:p15="http://schemas.microsoft.com/office/powerpoint/2012/main" xmlns="">
         <p15:guide id="1" orient="horz" pos="2160" userDrawn="1">
           <p15:clr>
             <a:srgbClr val="A4A3A4"/>
@@ -214,7 +215,7 @@
           <a:p>
             <a:fld id="{8846F4B9-E833-452C-BAB3-A32CAEA9F541}" type="datetimeFigureOut">
               <a:rPr lang="zh-CN" altLang="en-US" smtClean="0"/>
-              <a:t>2018/7/2</a:t>
+              <a:t>2018/7/3</a:t>
             </a:fld>
             <a:endParaRPr lang="zh-CN" altLang="en-US"/>
           </a:p>
@@ -969,7 +970,7 @@
             <a:fld id="{536E3643-A79B-4477-8B7F-6CA6C8BFD2C9}" type="datetimeFigureOut">
               <a:rPr lang="zh-CN" altLang="en-US" smtClean="0"/>
               <a:pPr/>
-              <a:t>2018/7/2</a:t>
+              <a:t>2018/7/3</a:t>
             </a:fld>
             <a:endParaRPr lang="zh-CN" altLang="en-US"/>
           </a:p>
@@ -1235,7 +1236,7 @@
             <a:fld id="{536E3643-A79B-4477-8B7F-6CA6C8BFD2C9}" type="datetimeFigureOut">
               <a:rPr lang="zh-CN" altLang="en-US" smtClean="0"/>
               <a:pPr/>
-              <a:t>2018/7/2</a:t>
+              <a:t>2018/7/3</a:t>
             </a:fld>
             <a:endParaRPr lang="zh-CN" altLang="en-US"/>
           </a:p>
@@ -1331,7 +1332,7 @@
             <a:fld id="{536E3643-A79B-4477-8B7F-6CA6C8BFD2C9}" type="datetimeFigureOut">
               <a:rPr lang="zh-CN" altLang="en-US" smtClean="0"/>
               <a:pPr/>
-              <a:t>2018/7/2</a:t>
+              <a:t>2018/7/3</a:t>
             </a:fld>
             <a:endParaRPr lang="zh-CN" altLang="en-US"/>
           </a:p>
@@ -1591,7 +1592,7 @@
             <a:fld id="{536E3643-A79B-4477-8B7F-6CA6C8BFD2C9}" type="datetimeFigureOut">
               <a:rPr lang="zh-CN" altLang="en-US" smtClean="0"/>
               <a:pPr/>
-              <a:t>2018/7/2</a:t>
+              <a:t>2018/7/3</a:t>
             </a:fld>
             <a:endParaRPr lang="zh-CN" altLang="en-US"/>
           </a:p>
@@ -6520,137 +6521,6 @@
             </a:bodyPr>
             <a:lstStyle/>
             <a:p>
-              <a:r>
-                <a:rPr lang="en-US" altLang="zh-CN" sz="1200">
-                  <a:solidFill>
-                    <a:srgbClr val="C00000"/>
-                  </a:solidFill>
-                  <a:latin typeface="Microsoft YaHei Mono" pitchFamily="49" charset="-122"/>
-                  <a:ea typeface="Microsoft YaHei Mono" pitchFamily="49" charset="-122"/>
-                </a:rPr>
-                <a:t>/* pcap</a:t>
-              </a:r>
-              <a:r>
-                <a:rPr lang="zh-CN" altLang="en-US" sz="1200">
-                  <a:solidFill>
-                    <a:srgbClr val="C00000"/>
-                  </a:solidFill>
-                  <a:latin typeface="Microsoft YaHei Mono" pitchFamily="49" charset="-122"/>
-                  <a:ea typeface="Microsoft YaHei Mono" pitchFamily="49" charset="-122"/>
-                </a:rPr>
-                <a:t>文件格式</a:t>
-              </a:r>
-              <a:r>
-                <a:rPr lang="en-US" altLang="zh-CN" sz="1200">
-                  <a:solidFill>
-                    <a:srgbClr val="C00000"/>
-                  </a:solidFill>
-                  <a:latin typeface="Microsoft YaHei Mono" pitchFamily="49" charset="-122"/>
-                  <a:ea typeface="Microsoft YaHei Mono" pitchFamily="49" charset="-122"/>
-                </a:rPr>
-                <a:t> */</a:t>
-              </a:r>
-            </a:p>
-            <a:p>
-              <a:r>
-                <a:rPr lang="en-US" altLang="zh-CN" sz="1200">
-                  <a:solidFill>
-                    <a:srgbClr val="C00000"/>
-                  </a:solidFill>
-                  <a:latin typeface="Microsoft YaHei Mono" pitchFamily="49" charset="-122"/>
-                  <a:ea typeface="Microsoft YaHei Mono" pitchFamily="49" charset="-122"/>
-                </a:rPr>
-                <a:t>struct rt_pcap_file</a:t>
-              </a:r>
-            </a:p>
-            <a:p>
-              <a:r>
-                <a:rPr lang="en-US" altLang="zh-CN" sz="1200">
-                  <a:solidFill>
-                    <a:srgbClr val="C00000"/>
-                  </a:solidFill>
-                  <a:latin typeface="Microsoft YaHei Mono" pitchFamily="49" charset="-122"/>
-                  <a:ea typeface="Microsoft YaHei Mono" pitchFamily="49" charset="-122"/>
-                </a:rPr>
-                <a:t>{</a:t>
-              </a:r>
-            </a:p>
-            <a:p>
-              <a:r>
-                <a:rPr lang="en-US" altLang="zh-CN" sz="1200">
-                  <a:latin typeface="Microsoft YaHei Mono" pitchFamily="49" charset="-122"/>
-                  <a:ea typeface="Microsoft YaHei Mono" pitchFamily="49" charset="-122"/>
-                </a:rPr>
-                <a:t>    </a:t>
-              </a:r>
-              <a:r>
-                <a:rPr lang="en-US" altLang="zh-CN" sz="1200">
-                  <a:solidFill>
-                    <a:schemeClr val="accent1"/>
-                  </a:solidFill>
-                  <a:latin typeface="Microsoft YaHei Mono" pitchFamily="49" charset="-122"/>
-                  <a:ea typeface="Microsoft YaHei Mono" pitchFamily="49" charset="-122"/>
-                </a:rPr>
-                <a:t>struct rt_pcap_file_header   p_f_h;</a:t>
-              </a:r>
-            </a:p>
-            <a:p>
-              <a:r>
-                <a:rPr lang="en-US" altLang="zh-CN" sz="1200">
-                  <a:latin typeface="Microsoft YaHei Mono" pitchFamily="49" charset="-122"/>
-                  <a:ea typeface="Microsoft YaHei Mono" pitchFamily="49" charset="-122"/>
-                </a:rPr>
-                <a:t>    </a:t>
-              </a:r>
-              <a:r>
-                <a:rPr lang="en-US" altLang="zh-CN" sz="1200">
-                  <a:solidFill>
-                    <a:schemeClr val="accent2">
-                      <a:lumMod val="60000"/>
-                      <a:lumOff val="40000"/>
-                    </a:schemeClr>
-                  </a:solidFill>
-                  <a:latin typeface="Microsoft YaHei Mono" pitchFamily="49" charset="-122"/>
-                  <a:ea typeface="Microsoft YaHei Mono" pitchFamily="49" charset="-122"/>
-                </a:rPr>
-                <a:t>struct rt_pcap_pkthdr        p_pktdr;</a:t>
-              </a:r>
-            </a:p>
-            <a:p>
-              <a:r>
-                <a:rPr lang="en-US" altLang="zh-CN" sz="1200">
-                  <a:solidFill>
-                    <a:srgbClr val="C00000"/>
-                  </a:solidFill>
-                  <a:latin typeface="Microsoft YaHei Mono" pitchFamily="49" charset="-122"/>
-                  <a:ea typeface="Microsoft YaHei Mono" pitchFamily="49" charset="-122"/>
-                </a:rPr>
-                <a:t>    void *ip_mess;</a:t>
-              </a:r>
-            </a:p>
-            <a:p>
-              <a:r>
-                <a:rPr lang="en-US" altLang="zh-CN" sz="1200">
-                  <a:solidFill>
-                    <a:srgbClr val="C00000"/>
-                  </a:solidFill>
-                  <a:latin typeface="Microsoft YaHei Mono" pitchFamily="49" charset="-122"/>
-                  <a:ea typeface="Microsoft YaHei Mono" pitchFamily="49" charset="-122"/>
-                </a:rPr>
-                <a:t>    rt_size_t ip_len;</a:t>
-              </a:r>
-            </a:p>
-            <a:p>
-              <a:r>
-                <a:rPr lang="en-US" altLang="zh-CN" sz="1200">
-                  <a:solidFill>
-                    <a:srgbClr val="C00000"/>
-                  </a:solidFill>
-                  <a:latin typeface="Microsoft YaHei Mono" pitchFamily="49" charset="-122"/>
-                  <a:ea typeface="Microsoft YaHei Mono" pitchFamily="49" charset="-122"/>
-                </a:rPr>
-                <a:t>};</a:t>
-              </a:r>
               <a:endParaRPr lang="zh-CN" altLang="en-US" sz="1200">
                 <a:solidFill>
                   <a:srgbClr val="C00000"/>
@@ -6669,8 +6539,8 @@
           </p:nvSpPr>
           <p:spPr>
             <a:xfrm>
-              <a:off x="4066419" y="4277141"/>
-              <a:ext cx="3567384" cy="1649631"/>
+              <a:off x="4833514" y="4277141"/>
+              <a:ext cx="2800288" cy="1649631"/>
             </a:xfrm>
             <a:prstGeom prst="rect">
               <a:avLst/>
@@ -6678,7 +6548,7 @@
           </p:spPr>
           <p:txBody>
             <a:bodyPr wrap="none" lIns="0" tIns="0" rIns="0" bIns="0" anchor="ctr">
-              <a:normAutofit/>
+              <a:normAutofit lnSpcReduction="10000"/>
             </a:bodyPr>
             <a:lstStyle/>
             <a:p>
@@ -6695,7 +6565,7 @@
             </a:p>
             <a:p>
               <a:r>
-                <a:rPr lang="en-US" altLang="zh-CN" sz="1200" smtClean="0">
+                <a:rPr lang="en-US" altLang="zh-CN" sz="1400" smtClean="0">
                   <a:solidFill>
                     <a:schemeClr val="accent2">
                       <a:lumMod val="60000"/>
@@ -6708,7 +6578,7 @@
                 <a:t>/* </a:t>
               </a:r>
               <a:r>
-                <a:rPr lang="zh-CN" altLang="en-US" sz="1200" smtClean="0">
+                <a:rPr lang="zh-CN" altLang="en-US" sz="1400" smtClean="0">
                   <a:solidFill>
                     <a:schemeClr val="accent2">
                       <a:lumMod val="60000"/>
@@ -6721,7 +6591,7 @@
                 <a:t>数据报头格式</a:t>
               </a:r>
               <a:r>
-                <a:rPr lang="en-US" altLang="zh-CN" sz="1200" smtClean="0">
+                <a:rPr lang="en-US" altLang="zh-CN" sz="1400" smtClean="0">
                   <a:solidFill>
                     <a:schemeClr val="accent2">
                       <a:lumMod val="60000"/>
@@ -6734,7 +6604,7 @@
                 <a:t> </a:t>
               </a:r>
               <a:r>
-                <a:rPr lang="en-US" altLang="zh-CN" sz="1200">
+                <a:rPr lang="en-US" altLang="zh-CN" sz="1400">
                   <a:solidFill>
                     <a:schemeClr val="accent2">
                       <a:lumMod val="60000"/>
@@ -6749,7 +6619,7 @@
             </a:p>
             <a:p>
               <a:r>
-                <a:rPr lang="en-US" altLang="zh-CN" sz="1200">
+                <a:rPr lang="en-US" altLang="zh-CN" sz="1400">
                   <a:solidFill>
                     <a:schemeClr val="accent2">
                       <a:lumMod val="60000"/>
@@ -6764,7 +6634,7 @@
             </a:p>
             <a:p>
               <a:r>
-                <a:rPr lang="en-US" altLang="zh-CN" sz="1200">
+                <a:rPr lang="en-US" altLang="zh-CN" sz="1400">
                   <a:solidFill>
                     <a:schemeClr val="accent2">
                       <a:lumMod val="60000"/>
@@ -6779,14 +6649,14 @@
             </a:p>
             <a:p>
               <a:r>
-                <a:rPr lang="en-US" altLang="zh-CN" sz="1200">
+                <a:rPr lang="en-US" altLang="zh-CN" sz="1400">
                   <a:latin typeface="Microsoft YaHei Mono" pitchFamily="49" charset="-122"/>
                   <a:ea typeface="Microsoft YaHei Mono" pitchFamily="49" charset="-122"/>
                 </a:rPr>
                 <a:t>    </a:t>
               </a:r>
               <a:r>
-                <a:rPr lang="en-US" altLang="zh-CN" sz="1200">
+                <a:rPr lang="en-US" altLang="zh-CN" sz="1400">
                   <a:solidFill>
                     <a:schemeClr val="accent5">
                       <a:lumMod val="75000"/>
@@ -6800,7 +6670,7 @@
             </a:p>
             <a:p>
               <a:r>
-                <a:rPr lang="en-US" altLang="zh-CN" sz="1200">
+                <a:rPr lang="en-US" altLang="zh-CN" sz="1400">
                   <a:solidFill>
                     <a:schemeClr val="accent2">
                       <a:lumMod val="60000"/>
@@ -6815,7 +6685,7 @@
             </a:p>
             <a:p>
               <a:r>
-                <a:rPr lang="en-US" altLang="zh-CN" sz="1200">
+                <a:rPr lang="en-US" altLang="zh-CN" sz="1400">
                   <a:solidFill>
                     <a:schemeClr val="accent2">
                       <a:lumMod val="60000"/>
@@ -6830,7 +6700,7 @@
             </a:p>
             <a:p>
               <a:r>
-                <a:rPr lang="en-US" altLang="zh-CN" sz="1200">
+                <a:rPr lang="en-US" altLang="zh-CN" sz="1400">
                   <a:solidFill>
                     <a:schemeClr val="accent2">
                       <a:lumMod val="60000"/>
@@ -6868,8 +6738,8 @@
           </p:nvSpPr>
           <p:spPr>
             <a:xfrm>
-              <a:off x="1199456" y="2612722"/>
-              <a:ext cx="2866961" cy="1664420"/>
+              <a:off x="1199456" y="2612721"/>
+              <a:ext cx="3598054" cy="3314051"/>
             </a:xfrm>
             <a:prstGeom prst="rect">
               <a:avLst/>
@@ -6877,7 +6747,7 @@
           </p:spPr>
           <p:txBody>
             <a:bodyPr wrap="none" lIns="0" tIns="0" rIns="0" bIns="0" anchor="ctr">
-              <a:normAutofit fontScale="77500" lnSpcReduction="20000"/>
+              <a:normAutofit/>
             </a:bodyPr>
             <a:lstStyle/>
             <a:p>
@@ -7066,138 +6936,6 @@
             </a:bodyPr>
             <a:lstStyle/>
             <a:p>
-              <a:r>
-                <a:rPr lang="en-US" altLang="zh-CN" sz="1200">
-                  <a:solidFill>
-                    <a:schemeClr val="accent5">
-                      <a:lumMod val="75000"/>
-                    </a:schemeClr>
-                  </a:solidFill>
-                  <a:latin typeface="Microsoft YaHei Mono" pitchFamily="49" charset="-122"/>
-                  <a:ea typeface="Microsoft YaHei Mono" pitchFamily="49" charset="-122"/>
-                </a:rPr>
-                <a:t>/* </a:t>
-              </a:r>
-              <a:r>
-                <a:rPr lang="zh-CN" altLang="en-US" sz="1200">
-                  <a:solidFill>
-                    <a:schemeClr val="accent5">
-                      <a:lumMod val="75000"/>
-                    </a:schemeClr>
-                  </a:solidFill>
-                  <a:latin typeface="Microsoft YaHei Mono" pitchFamily="49" charset="-122"/>
-                  <a:ea typeface="Microsoft YaHei Mono" pitchFamily="49" charset="-122"/>
-                </a:rPr>
-                <a:t>抓</a:t>
-              </a:r>
-              <a:r>
-                <a:rPr lang="zh-CN" altLang="en-US" sz="1200" smtClean="0">
-                  <a:solidFill>
-                    <a:schemeClr val="accent5">
-                      <a:lumMod val="75000"/>
-                    </a:schemeClr>
-                  </a:solidFill>
-                  <a:latin typeface="Microsoft YaHei Mono" pitchFamily="49" charset="-122"/>
-                  <a:ea typeface="Microsoft YaHei Mono" pitchFamily="49" charset="-122"/>
-                </a:rPr>
-                <a:t>包时间戳</a:t>
-              </a:r>
-              <a:r>
-                <a:rPr lang="en-US" altLang="zh-CN" sz="1200" smtClean="0">
-                  <a:solidFill>
-                    <a:schemeClr val="accent5">
-                      <a:lumMod val="75000"/>
-                    </a:schemeClr>
-                  </a:solidFill>
-                  <a:latin typeface="Microsoft YaHei Mono" pitchFamily="49" charset="-122"/>
-                  <a:ea typeface="Microsoft YaHei Mono" pitchFamily="49" charset="-122"/>
-                </a:rPr>
-                <a:t> </a:t>
-              </a:r>
-              <a:r>
-                <a:rPr lang="en-US" altLang="zh-CN" sz="1200">
-                  <a:solidFill>
-                    <a:schemeClr val="accent5">
-                      <a:lumMod val="75000"/>
-                    </a:schemeClr>
-                  </a:solidFill>
-                  <a:latin typeface="Microsoft YaHei Mono" pitchFamily="49" charset="-122"/>
-                  <a:ea typeface="Microsoft YaHei Mono" pitchFamily="49" charset="-122"/>
-                </a:rPr>
-                <a:t>*/</a:t>
-              </a:r>
-            </a:p>
-            <a:p>
-              <a:r>
-                <a:rPr lang="en-US" altLang="zh-CN" sz="1200">
-                  <a:solidFill>
-                    <a:schemeClr val="accent5">
-                      <a:lumMod val="75000"/>
-                    </a:schemeClr>
-                  </a:solidFill>
-                  <a:latin typeface="Microsoft YaHei Mono" pitchFamily="49" charset="-122"/>
-                  <a:ea typeface="Microsoft YaHei Mono" pitchFamily="49" charset="-122"/>
-                </a:rPr>
-                <a:t>struct rt_timeval</a:t>
-              </a:r>
-            </a:p>
-            <a:p>
-              <a:r>
-                <a:rPr lang="en-US" altLang="zh-CN" sz="1200">
-                  <a:solidFill>
-                    <a:schemeClr val="accent5">
-                      <a:lumMod val="75000"/>
-                    </a:schemeClr>
-                  </a:solidFill>
-                  <a:latin typeface="Microsoft YaHei Mono" pitchFamily="49" charset="-122"/>
-                  <a:ea typeface="Microsoft YaHei Mono" pitchFamily="49" charset="-122"/>
-                </a:rPr>
-                <a:t>{</a:t>
-              </a:r>
-            </a:p>
-            <a:p>
-              <a:r>
-                <a:rPr lang="en-US" altLang="zh-CN" sz="1200">
-                  <a:solidFill>
-                    <a:schemeClr val="accent5">
-                      <a:lumMod val="75000"/>
-                    </a:schemeClr>
-                  </a:solidFill>
-                  <a:latin typeface="Microsoft YaHei Mono" pitchFamily="49" charset="-122"/>
-                  <a:ea typeface="Microsoft YaHei Mono" pitchFamily="49" charset="-122"/>
-                </a:rPr>
-                <a:t>    rt_uint32_t tv_sec;</a:t>
-              </a:r>
-            </a:p>
-            <a:p>
-              <a:r>
-                <a:rPr lang="en-US" altLang="zh-CN" sz="1200">
-                  <a:solidFill>
-                    <a:schemeClr val="accent5">
-                      <a:lumMod val="75000"/>
-                    </a:schemeClr>
-                  </a:solidFill>
-                  <a:latin typeface="Microsoft YaHei Mono" pitchFamily="49" charset="-122"/>
-                  <a:ea typeface="Microsoft YaHei Mono" pitchFamily="49" charset="-122"/>
-                </a:rPr>
-                <a:t>    rt_uint32_t tv_msec;</a:t>
-              </a:r>
-            </a:p>
-            <a:p>
-              <a:r>
-                <a:rPr lang="en-US" altLang="zh-CN" sz="1200">
-                  <a:solidFill>
-                    <a:schemeClr val="accent5">
-                      <a:lumMod val="75000"/>
-                    </a:schemeClr>
-                  </a:solidFill>
-                  <a:latin typeface="Microsoft YaHei Mono" pitchFamily="49" charset="-122"/>
-                  <a:ea typeface="Microsoft YaHei Mono" pitchFamily="49" charset="-122"/>
-                </a:rPr>
-                <a:t>};</a:t>
-              </a:r>
-            </a:p>
-            <a:p>
               <a:pPr lvl="0" algn="ctr" defTabSz="914378">
                 <a:spcBef>
                   <a:spcPct val="0"/>
@@ -7256,15 +6994,14 @@
             <p:cNvPr id="11" name="直接连接符 10"/>
             <p:cNvCxnSpPr>
               <a:cxnSpLocks/>
-              <a:stCxn id="4" idx="1"/>
               <a:endCxn id="4" idx="3"/>
             </p:cNvCxnSpPr>
             <p:nvPr/>
           </p:nvCxnSpPr>
           <p:spPr>
             <a:xfrm>
-              <a:off x="1167771" y="4254635"/>
-              <a:ext cx="6466032" cy="0"/>
+              <a:off x="4833514" y="4254634"/>
+              <a:ext cx="2800289" cy="1"/>
             </a:xfrm>
             <a:prstGeom prst="line">
               <a:avLst/>
@@ -7301,9 +7038,9 @@
             <p:nvPr/>
           </p:nvCxnSpPr>
           <p:spPr>
-            <a:xfrm>
-              <a:off x="4066419" y="2582496"/>
-              <a:ext cx="0" cy="3344277"/>
+            <a:xfrm flipH="1">
+              <a:off x="4797510" y="2539384"/>
+              <a:ext cx="36004" cy="3387388"/>
             </a:xfrm>
             <a:prstGeom prst="line">
               <a:avLst/>
@@ -7332,6 +7069,145 @@
           </p:style>
         </p:cxnSp>
       </p:grpSp>
+      <p:sp>
+        <p:nvSpPr>
+          <p:cNvPr id="7" name="矩形 6"/>
+          <p:cNvSpPr/>
+          <p:nvPr/>
+        </p:nvSpPr>
+        <p:spPr>
+          <a:xfrm>
+            <a:off x="4799856" y="2729251"/>
+            <a:ext cx="2800289" cy="1384995"/>
+          </a:xfrm>
+          <a:prstGeom prst="rect">
+            <a:avLst/>
+          </a:prstGeom>
+        </p:spPr>
+        <p:txBody>
+          <a:bodyPr wrap="square">
+            <a:spAutoFit/>
+          </a:bodyPr>
+          <a:lstStyle/>
+          <a:p>
+            <a:r>
+              <a:rPr lang="en-US" altLang="zh-CN" sz="1400">
+                <a:solidFill>
+                  <a:schemeClr val="accent5">
+                    <a:lumMod val="75000"/>
+                  </a:schemeClr>
+                </a:solidFill>
+                <a:latin typeface="Microsoft YaHei Mono" pitchFamily="49" charset="-122"/>
+                <a:ea typeface="Microsoft YaHei Mono" pitchFamily="49" charset="-122"/>
+              </a:rPr>
+              <a:t>/* </a:t>
+            </a:r>
+            <a:r>
+              <a:rPr lang="zh-CN" altLang="en-US" sz="1400">
+                <a:solidFill>
+                  <a:schemeClr val="accent5">
+                    <a:lumMod val="75000"/>
+                  </a:schemeClr>
+                </a:solidFill>
+                <a:latin typeface="Microsoft YaHei Mono" pitchFamily="49" charset="-122"/>
+                <a:ea typeface="Microsoft YaHei Mono" pitchFamily="49" charset="-122"/>
+              </a:rPr>
+              <a:t>抓包时间戳</a:t>
+            </a:r>
+            <a:r>
+              <a:rPr lang="en-US" altLang="zh-CN" sz="1400">
+                <a:solidFill>
+                  <a:schemeClr val="accent5">
+                    <a:lumMod val="75000"/>
+                  </a:schemeClr>
+                </a:solidFill>
+                <a:latin typeface="Microsoft YaHei Mono" pitchFamily="49" charset="-122"/>
+                <a:ea typeface="Microsoft YaHei Mono" pitchFamily="49" charset="-122"/>
+              </a:rPr>
+              <a:t> */</a:t>
+            </a:r>
+          </a:p>
+          <a:p>
+            <a:r>
+              <a:rPr lang="en-US" altLang="zh-CN" sz="1400">
+                <a:solidFill>
+                  <a:schemeClr val="accent5">
+                    <a:lumMod val="75000"/>
+                  </a:schemeClr>
+                </a:solidFill>
+                <a:latin typeface="Microsoft YaHei Mono" pitchFamily="49" charset="-122"/>
+                <a:ea typeface="Microsoft YaHei Mono" pitchFamily="49" charset="-122"/>
+              </a:rPr>
+              <a:t>struct rt_timeval</a:t>
+            </a:r>
+          </a:p>
+          <a:p>
+            <a:r>
+              <a:rPr lang="en-US" altLang="zh-CN" sz="1400">
+                <a:solidFill>
+                  <a:schemeClr val="accent5">
+                    <a:lumMod val="75000"/>
+                  </a:schemeClr>
+                </a:solidFill>
+                <a:latin typeface="Microsoft YaHei Mono" pitchFamily="49" charset="-122"/>
+                <a:ea typeface="Microsoft YaHei Mono" pitchFamily="49" charset="-122"/>
+              </a:rPr>
+              <a:t>{</a:t>
+            </a:r>
+          </a:p>
+          <a:p>
+            <a:r>
+              <a:rPr lang="en-US" altLang="zh-CN" sz="1400">
+                <a:solidFill>
+                  <a:schemeClr val="accent5">
+                    <a:lumMod val="75000"/>
+                  </a:schemeClr>
+                </a:solidFill>
+                <a:latin typeface="Microsoft YaHei Mono" pitchFamily="49" charset="-122"/>
+                <a:ea typeface="Microsoft YaHei Mono" pitchFamily="49" charset="-122"/>
+              </a:rPr>
+              <a:t>    rt_uint32_t tv_sec;</a:t>
+            </a:r>
+          </a:p>
+          <a:p>
+            <a:r>
+              <a:rPr lang="en-US" altLang="zh-CN" sz="1400">
+                <a:solidFill>
+                  <a:schemeClr val="accent5">
+                    <a:lumMod val="75000"/>
+                  </a:schemeClr>
+                </a:solidFill>
+                <a:latin typeface="Microsoft YaHei Mono" pitchFamily="49" charset="-122"/>
+                <a:ea typeface="Microsoft YaHei Mono" pitchFamily="49" charset="-122"/>
+              </a:rPr>
+              <a:t>    rt_uint32_t tv_msec;</a:t>
+            </a:r>
+          </a:p>
+          <a:p>
+            <a:r>
+              <a:rPr lang="en-US" altLang="zh-CN" sz="1400">
+                <a:solidFill>
+                  <a:schemeClr val="accent5">
+                    <a:lumMod val="75000"/>
+                  </a:schemeClr>
+                </a:solidFill>
+                <a:latin typeface="Microsoft YaHei Mono" pitchFamily="49" charset="-122"/>
+                <a:ea typeface="Microsoft YaHei Mono" pitchFamily="49" charset="-122"/>
+              </a:rPr>
+              <a:t>};</a:t>
+            </a:r>
+            <a:endParaRPr lang="en-US" altLang="zh-CN" sz="1400">
+              <a:solidFill>
+                <a:schemeClr val="accent5">
+                  <a:lumMod val="75000"/>
+                </a:schemeClr>
+              </a:solidFill>
+              <a:latin typeface="Microsoft YaHei Mono" pitchFamily="49" charset="-122"/>
+              <a:ea typeface="Microsoft YaHei Mono" pitchFamily="49" charset="-122"/>
+            </a:endParaRPr>
+          </a:p>
+        </p:txBody>
+      </p:sp>
     </p:spTree>
     <p:extLst>
       <p:ext uri="{BB962C8B-B14F-4D97-AF65-F5344CB8AC3E}">
@@ -7385,14 +7261,37 @@
           <a:lstStyle/>
           <a:p>
             <a:r>
-              <a:rPr lang="en-US" altLang="zh-CN" smtClean="0"/>
-              <a:t>Tcpdump</a:t>
-            </a:r>
-            <a:r>
-              <a:rPr lang="zh-CN" altLang="en-US" smtClean="0"/>
-              <a:t>数据流向</a:t>
-            </a:r>
-            <a:endParaRPr lang="zh-CN" altLang="en-US"/>
+              <a:rPr lang="en-US" altLang="zh-CN">
+                <a:latin typeface="Microsoft YaHei Mono" pitchFamily="49" charset="-122"/>
+                <a:ea typeface="Microsoft YaHei Mono" pitchFamily="49" charset="-122"/>
+              </a:rPr>
+              <a:t>t</a:t>
+            </a:r>
+            <a:r>
+              <a:rPr lang="en-US" altLang="zh-CN" smtClean="0">
+                <a:latin typeface="Microsoft YaHei Mono" pitchFamily="49" charset="-122"/>
+                <a:ea typeface="Microsoft YaHei Mono" pitchFamily="49" charset="-122"/>
+              </a:rPr>
+              <a:t>cpdump tx </a:t>
+            </a:r>
+            <a:r>
+              <a:rPr lang="zh-CN" altLang="en-US" smtClean="0">
+                <a:latin typeface="Microsoft YaHei Mono" pitchFamily="49" charset="-122"/>
+                <a:ea typeface="Microsoft YaHei Mono" pitchFamily="49" charset="-122"/>
+              </a:rPr>
+              <a:t>数据流</a:t>
+            </a:r>
+            <a:r>
+              <a:rPr lang="zh-CN" altLang="en-US" smtClean="0">
+                <a:latin typeface="Microsoft YaHei Mono" pitchFamily="49" charset="-122"/>
+                <a:ea typeface="Microsoft YaHei Mono" pitchFamily="49" charset="-122"/>
+              </a:rPr>
+              <a:t>向</a:t>
+            </a:r>
+            <a:endParaRPr lang="zh-CN" altLang="en-US">
+              <a:latin typeface="Microsoft YaHei Mono" pitchFamily="49" charset="-122"/>
+              <a:ea typeface="Microsoft YaHei Mono" pitchFamily="49" charset="-122"/>
+            </a:endParaRPr>
           </a:p>
         </p:txBody>
       </p:sp>
@@ -7404,8 +7303,8 @@
         </p:nvSpPr>
         <p:spPr>
           <a:xfrm>
-            <a:off x="353307" y="2584856"/>
-            <a:ext cx="3094791" cy="684412"/>
+            <a:off x="983432" y="2580392"/>
+            <a:ext cx="2590291" cy="684412"/>
           </a:xfrm>
           <a:prstGeom prst="roundRect">
             <a:avLst/>
@@ -7433,26 +7332,44 @@
           <a:p>
             <a:pPr algn="ctr"/>
             <a:r>
-              <a:rPr lang="zh-CN" altLang="en-US" smtClean="0"/>
+              <a:rPr lang="zh-CN" altLang="en-US" sz="1600" smtClean="0">
+                <a:latin typeface="Microsoft YaHei Mono" pitchFamily="49" charset="-122"/>
+                <a:ea typeface="Microsoft YaHei Mono" pitchFamily="49" charset="-122"/>
+              </a:rPr>
               <a:t>从接口处</a:t>
             </a:r>
             <a:r>
-              <a:rPr lang="zh-CN" altLang="en-US"/>
+              <a:rPr lang="zh-CN" altLang="en-US" sz="1600">
+                <a:latin typeface="Microsoft YaHei Mono" pitchFamily="49" charset="-122"/>
+                <a:ea typeface="Microsoft YaHei Mono" pitchFamily="49" charset="-122"/>
+              </a:rPr>
               <a:t>获得</a:t>
             </a:r>
             <a:r>
-              <a:rPr lang="zh-CN" altLang="en-US" smtClean="0"/>
+              <a:rPr lang="zh-CN" altLang="en-US" sz="1600" smtClean="0">
+                <a:latin typeface="Microsoft YaHei Mono" pitchFamily="49" charset="-122"/>
+                <a:ea typeface="Microsoft YaHei Mono" pitchFamily="49" charset="-122"/>
+              </a:rPr>
               <a:t>数据：</a:t>
             </a:r>
             <a:r>
-              <a:rPr lang="en-US" altLang="zh-CN"/>
+              <a:rPr lang="en-US" altLang="zh-CN" sz="1600">
+                <a:latin typeface="Microsoft YaHei Mono" pitchFamily="49" charset="-122"/>
+                <a:ea typeface="Microsoft YaHei Mono" pitchFamily="49" charset="-122"/>
+              </a:rPr>
               <a:t>_</a:t>
             </a:r>
             <a:r>
-              <a:rPr lang="en-US" altLang="zh-CN" smtClean="0"/>
+              <a:rPr lang="en-US" altLang="zh-CN" sz="1600" smtClean="0">
+                <a:latin typeface="Microsoft YaHei Mono" pitchFamily="49" charset="-122"/>
+                <a:ea typeface="Microsoft YaHei Mono" pitchFamily="49" charset="-122"/>
+              </a:rPr>
               <a:t>netif_linkoutput</a:t>
             </a:r>
-            <a:endParaRPr lang="zh-CN" altLang="en-US"/>
+            <a:endParaRPr lang="zh-CN" altLang="en-US" sz="1600">
+              <a:latin typeface="Microsoft YaHei Mono" pitchFamily="49" charset="-122"/>
+              <a:ea typeface="Microsoft YaHei Mono" pitchFamily="49" charset="-122"/>
+            </a:endParaRPr>
           </a:p>
         </p:txBody>
       </p:sp>
@@ -7464,8 +7381,8 @@
         </p:nvSpPr>
         <p:spPr>
           <a:xfrm>
-            <a:off x="325260" y="1372379"/>
-            <a:ext cx="3094792" cy="741172"/>
+            <a:off x="983432" y="1372379"/>
+            <a:ext cx="2590291" cy="741172"/>
           </a:xfrm>
           <a:prstGeom prst="roundRect">
             <a:avLst/>
@@ -7493,26 +7410,37 @@
           <a:p>
             <a:pPr algn="ctr"/>
             <a:r>
-              <a:rPr lang="zh-CN" altLang="en-US"/>
-              <a:t>发送数据包的 </a:t>
-            </a:r>
-            <a:r>
-              <a:rPr lang="en-US" altLang="zh-CN"/>
+              <a:rPr lang="en-US" altLang="zh-CN" sz="1600" smtClean="0">
+                <a:latin typeface="Microsoft YaHei Mono" pitchFamily="49" charset="-122"/>
+                <a:ea typeface="Microsoft YaHei Mono" pitchFamily="49" charset="-122"/>
+              </a:rPr>
               <a:t>lwIP </a:t>
             </a:r>
             <a:r>
-              <a:rPr lang="zh-CN" altLang="en-US"/>
+              <a:rPr lang="zh-CN" altLang="en-US" sz="1600">
+                <a:latin typeface="Microsoft YaHei Mono" pitchFamily="49" charset="-122"/>
+                <a:ea typeface="Microsoft YaHei Mono" pitchFamily="49" charset="-122"/>
+              </a:rPr>
               <a:t>网络</a:t>
             </a:r>
             <a:r>
-              <a:rPr lang="zh-CN" altLang="en-US" smtClean="0"/>
+              <a:rPr lang="zh-CN" altLang="en-US" sz="1600" smtClean="0">
+                <a:latin typeface="Microsoft YaHei Mono" pitchFamily="49" charset="-122"/>
+                <a:ea typeface="Microsoft YaHei Mono" pitchFamily="49" charset="-122"/>
+              </a:rPr>
               <a:t>接口：</a:t>
             </a:r>
             <a:r>
-              <a:rPr lang="en-US" altLang="zh-CN" smtClean="0"/>
+              <a:rPr lang="en-US" altLang="zh-CN" sz="1600" smtClean="0">
+                <a:latin typeface="Microsoft YaHei Mono" pitchFamily="49" charset="-122"/>
+                <a:ea typeface="Microsoft YaHei Mono" pitchFamily="49" charset="-122"/>
+              </a:rPr>
               <a:t>netif-&gt;linkoutput</a:t>
             </a:r>
-            <a:endParaRPr lang="zh-CN" altLang="en-US"/>
+            <a:endParaRPr lang="zh-CN" altLang="en-US" sz="1600">
+              <a:latin typeface="Microsoft YaHei Mono" pitchFamily="49" charset="-122"/>
+              <a:ea typeface="Microsoft YaHei Mono" pitchFamily="49" charset="-122"/>
+            </a:endParaRPr>
           </a:p>
         </p:txBody>
       </p:sp>
@@ -7524,8 +7452,8 @@
         </p:nvSpPr>
         <p:spPr>
           <a:xfrm>
-            <a:off x="334915" y="3662834"/>
-            <a:ext cx="3094792" cy="698129"/>
+            <a:off x="983433" y="3662834"/>
+            <a:ext cx="2590290" cy="698129"/>
           </a:xfrm>
           <a:prstGeom prst="roundRect">
             <a:avLst/>
@@ -7553,22 +7481,37 @@
           <a:p>
             <a:pPr algn="ctr"/>
             <a:r>
-              <a:rPr lang="zh-CN" altLang="en-US" smtClean="0"/>
+              <a:rPr lang="zh-CN" altLang="en-US" sz="1600" smtClean="0">
+                <a:latin typeface="Microsoft YaHei Mono" pitchFamily="49" charset="-122"/>
+                <a:ea typeface="Microsoft YaHei Mono" pitchFamily="49" charset="-122"/>
+              </a:rPr>
               <a:t>给线程发送</a:t>
             </a:r>
             <a:r>
-              <a:rPr lang="en-US" altLang="zh-CN" smtClean="0"/>
+              <a:rPr lang="en-US" altLang="zh-CN" sz="1600" smtClean="0">
+                <a:latin typeface="Microsoft YaHei Mono" pitchFamily="49" charset="-122"/>
+                <a:ea typeface="Microsoft YaHei Mono" pitchFamily="49" charset="-122"/>
+              </a:rPr>
               <a:t>message</a:t>
             </a:r>
             <a:r>
-              <a:rPr lang="zh-CN" altLang="en-US" smtClean="0"/>
+              <a:rPr lang="zh-CN" altLang="en-US" sz="1600" smtClean="0">
+                <a:latin typeface="Microsoft YaHei Mono" pitchFamily="49" charset="-122"/>
+                <a:ea typeface="Microsoft YaHei Mono" pitchFamily="49" charset="-122"/>
+              </a:rPr>
               <a:t>：</a:t>
             </a:r>
             <a:r>
-              <a:rPr lang="en-US" altLang="zh-CN"/>
+              <a:rPr lang="en-US" altLang="zh-CN" sz="1600">
+                <a:latin typeface="Microsoft YaHei Mono" pitchFamily="49" charset="-122"/>
+                <a:ea typeface="Microsoft YaHei Mono" pitchFamily="49" charset="-122"/>
+              </a:rPr>
               <a:t>ethernetif_linkoutput</a:t>
             </a:r>
-            <a:endParaRPr lang="zh-CN" altLang="en-US"/>
+            <a:endParaRPr lang="zh-CN" altLang="en-US" sz="1600">
+              <a:latin typeface="Microsoft YaHei Mono" pitchFamily="49" charset="-122"/>
+              <a:ea typeface="Microsoft YaHei Mono" pitchFamily="49" charset="-122"/>
+            </a:endParaRPr>
           </a:p>
         </p:txBody>
       </p:sp>
@@ -7580,8 +7523,8 @@
         </p:nvSpPr>
         <p:spPr>
           <a:xfrm>
-            <a:off x="317114" y="4869160"/>
-            <a:ext cx="3094792" cy="696366"/>
+            <a:off x="983432" y="4858634"/>
+            <a:ext cx="2590291" cy="696366"/>
           </a:xfrm>
           <a:prstGeom prst="roundRect">
             <a:avLst/>
@@ -7609,14 +7552,23 @@
           <a:p>
             <a:pPr algn="ctr"/>
             <a:r>
-              <a:rPr lang="zh-CN" altLang="en-US" smtClean="0"/>
+              <a:rPr lang="zh-CN" altLang="en-US" sz="1600" smtClean="0">
+                <a:latin typeface="Microsoft YaHei Mono" pitchFamily="49" charset="-122"/>
+                <a:ea typeface="Microsoft YaHei Mono" pitchFamily="49" charset="-122"/>
+              </a:rPr>
               <a:t>发送线程：</a:t>
             </a:r>
             <a:r>
-              <a:rPr lang="en-US" altLang="zh-CN"/>
+              <a:rPr lang="en-US" altLang="zh-CN" sz="1600">
+                <a:latin typeface="Microsoft YaHei Mono" pitchFamily="49" charset="-122"/>
+                <a:ea typeface="Microsoft YaHei Mono" pitchFamily="49" charset="-122"/>
+              </a:rPr>
               <a:t>eth_tx_thread_entry</a:t>
             </a:r>
-            <a:endParaRPr lang="zh-CN" altLang="en-US"/>
+            <a:endParaRPr lang="zh-CN" altLang="en-US" sz="1600">
+              <a:latin typeface="Microsoft YaHei Mono" pitchFamily="49" charset="-122"/>
+              <a:ea typeface="Microsoft YaHei Mono" pitchFamily="49" charset="-122"/>
+            </a:endParaRPr>
           </a:p>
         </p:txBody>
       </p:sp>
@@ -7628,8 +7580,8 @@
         </p:nvSpPr>
         <p:spPr>
           <a:xfrm>
-            <a:off x="334915" y="6021288"/>
-            <a:ext cx="3094792" cy="671786"/>
+            <a:off x="983432" y="6021288"/>
+            <a:ext cx="2590291" cy="671786"/>
           </a:xfrm>
           <a:prstGeom prst="roundRect">
             <a:avLst/>
@@ -7657,27 +7609,397 @@
           <a:p>
             <a:pPr algn="ctr"/>
             <a:r>
-              <a:rPr lang="zh-CN" altLang="en-US" smtClean="0"/>
+              <a:rPr lang="zh-CN" altLang="en-US" sz="1600" smtClean="0">
+                <a:latin typeface="Microsoft YaHei Mono" pitchFamily="49" charset="-122"/>
+                <a:ea typeface="Microsoft YaHei Mono" pitchFamily="49" charset="-122"/>
+              </a:rPr>
               <a:t>驱动设备接口：</a:t>
             </a:r>
             <a:r>
-              <a:rPr lang="en-US" altLang="zh-CN"/>
+              <a:rPr lang="en-US" altLang="zh-CN" sz="1600">
+                <a:latin typeface="Microsoft YaHei Mono" pitchFamily="49" charset="-122"/>
+                <a:ea typeface="Microsoft YaHei Mono" pitchFamily="49" charset="-122"/>
+              </a:rPr>
               <a:t>rt_imxrt_eth_tx</a:t>
             </a:r>
-            <a:endParaRPr lang="zh-CN" altLang="en-US"/>
+            <a:endParaRPr lang="zh-CN" altLang="en-US" sz="1600">
+              <a:latin typeface="Microsoft YaHei Mono" pitchFamily="49" charset="-122"/>
+              <a:ea typeface="Microsoft YaHei Mono" pitchFamily="49" charset="-122"/>
+            </a:endParaRPr>
           </a:p>
         </p:txBody>
       </p:sp>
       <p:sp>
         <p:nvSpPr>
-          <p:cNvPr id="38" name="右箭头 37"/>
+          <p:cNvPr id="39" name="圆角矩形 38"/>
           <p:cNvSpPr/>
           <p:nvPr/>
         </p:nvSpPr>
         <p:spPr>
-          <a:xfrm rot="20504413">
-            <a:off x="3522044" y="2292110"/>
-            <a:ext cx="1093406" cy="413292"/>
+          <a:xfrm>
+            <a:off x="5519936" y="2269384"/>
+            <a:ext cx="5409735" cy="684412"/>
+          </a:xfrm>
+          <a:prstGeom prst="roundRect">
+            <a:avLst/>
+          </a:prstGeom>
+        </p:spPr>
+        <p:style>
+          <a:lnRef idx="2">
+            <a:schemeClr val="accent5">
+              <a:shade val="50000"/>
+            </a:schemeClr>
+          </a:lnRef>
+          <a:fillRef idx="1">
+            <a:schemeClr val="accent5"/>
+          </a:fillRef>
+          <a:effectRef idx="0">
+            <a:schemeClr val="accent5"/>
+          </a:effectRef>
+          <a:fontRef idx="minor">
+            <a:schemeClr val="lt1"/>
+          </a:fontRef>
+        </p:style>
+        <p:txBody>
+          <a:bodyPr rtlCol="0" anchor="ctr"/>
+          <a:lstStyle/>
+          <a:p>
+            <a:pPr algn="ctr"/>
+            <a:r>
+              <a:rPr lang="zh-CN" altLang="en-US" sz="1600" smtClean="0">
+                <a:latin typeface="Microsoft YaHei Mono" pitchFamily="49" charset="-122"/>
+                <a:ea typeface="Microsoft YaHei Mono" pitchFamily="49" charset="-122"/>
+              </a:rPr>
+              <a:t>通过</a:t>
+            </a:r>
+            <a:r>
+              <a:rPr lang="en-US" altLang="zh-CN" sz="1600" smtClean="0">
+                <a:latin typeface="Microsoft YaHei Mono" pitchFamily="49" charset="-122"/>
+                <a:ea typeface="Microsoft YaHei Mono" pitchFamily="49" charset="-122"/>
+              </a:rPr>
+              <a:t>FIFO</a:t>
+            </a:r>
+            <a:r>
+              <a:rPr lang="zh-CN" altLang="en-US" sz="1600" smtClean="0">
+                <a:latin typeface="Microsoft YaHei Mono" pitchFamily="49" charset="-122"/>
+                <a:ea typeface="Microsoft YaHei Mono" pitchFamily="49" charset="-122"/>
+              </a:rPr>
+              <a:t>获得</a:t>
+            </a:r>
+            <a:r>
+              <a:rPr lang="en-US" altLang="zh-CN" sz="1600" smtClean="0">
+                <a:latin typeface="Microsoft YaHei Mono" pitchFamily="49" charset="-122"/>
+                <a:ea typeface="Microsoft YaHei Mono" pitchFamily="49" charset="-122"/>
+              </a:rPr>
+              <a:t>pbuf</a:t>
+            </a:r>
+            <a:r>
+              <a:rPr lang="zh-CN" altLang="en-US" sz="1600" smtClean="0">
+                <a:latin typeface="Microsoft YaHei Mono" pitchFamily="49" charset="-122"/>
+                <a:ea typeface="Microsoft YaHei Mono" pitchFamily="49" charset="-122"/>
+              </a:rPr>
+              <a:t>数据</a:t>
+            </a:r>
+            <a:r>
+              <a:rPr lang="zh-CN" altLang="en-US" sz="1600" smtClean="0">
+                <a:latin typeface="Microsoft YaHei Mono" pitchFamily="49" charset="-122"/>
+                <a:ea typeface="Microsoft YaHei Mono" pitchFamily="49" charset="-122"/>
+              </a:rPr>
+              <a:t>：</a:t>
+            </a:r>
+            <a:r>
+              <a:rPr lang="en-US" altLang="zh-CN" sz="1600">
+                <a:latin typeface="Microsoft YaHei Mono" pitchFamily="49" charset="-122"/>
+                <a:ea typeface="Microsoft YaHei Mono" pitchFamily="49" charset="-122"/>
+              </a:rPr>
+              <a:t>rt_tcpdump_ip_mess_recv</a:t>
+            </a:r>
+            <a:endParaRPr lang="zh-CN" altLang="en-US" sz="1600">
+              <a:latin typeface="Microsoft YaHei Mono" pitchFamily="49" charset="-122"/>
+              <a:ea typeface="Microsoft YaHei Mono" pitchFamily="49" charset="-122"/>
+            </a:endParaRPr>
+          </a:p>
+        </p:txBody>
+      </p:sp>
+      <p:sp>
+        <p:nvSpPr>
+          <p:cNvPr id="45" name="圆角矩形 44"/>
+          <p:cNvSpPr/>
+          <p:nvPr/>
+        </p:nvSpPr>
+        <p:spPr>
+          <a:xfrm>
+            <a:off x="5519936" y="3365656"/>
+            <a:ext cx="5409735" cy="698129"/>
+          </a:xfrm>
+          <a:prstGeom prst="roundRect">
+            <a:avLst/>
+          </a:prstGeom>
+        </p:spPr>
+        <p:style>
+          <a:lnRef idx="2">
+            <a:schemeClr val="accent5">
+              <a:shade val="50000"/>
+            </a:schemeClr>
+          </a:lnRef>
+          <a:fillRef idx="1">
+            <a:schemeClr val="accent5"/>
+          </a:fillRef>
+          <a:effectRef idx="0">
+            <a:schemeClr val="accent5"/>
+          </a:effectRef>
+          <a:fontRef idx="minor">
+            <a:schemeClr val="lt1"/>
+          </a:fontRef>
+        </p:style>
+        <p:txBody>
+          <a:bodyPr rtlCol="0" anchor="ctr"/>
+          <a:lstStyle/>
+          <a:p>
+            <a:pPr algn="ctr"/>
+            <a:r>
+              <a:rPr lang="en-US" altLang="zh-CN" sz="1600">
+                <a:latin typeface="Microsoft YaHei Mono" pitchFamily="49" charset="-122"/>
+                <a:ea typeface="Microsoft YaHei Mono" pitchFamily="49" charset="-122"/>
+              </a:rPr>
+              <a:t>p</a:t>
+            </a:r>
+            <a:r>
+              <a:rPr lang="en-US" altLang="zh-CN" sz="1600" smtClean="0">
+                <a:latin typeface="Microsoft YaHei Mono" pitchFamily="49" charset="-122"/>
+                <a:ea typeface="Microsoft YaHei Mono" pitchFamily="49" charset="-122"/>
+              </a:rPr>
+              <a:t>cap</a:t>
+            </a:r>
+            <a:r>
+              <a:rPr lang="zh-CN" altLang="en-US" sz="1600" smtClean="0">
+                <a:latin typeface="Microsoft YaHei Mono" pitchFamily="49" charset="-122"/>
+                <a:ea typeface="Microsoft YaHei Mono" pitchFamily="49" charset="-122"/>
+              </a:rPr>
+              <a:t>格式</a:t>
+            </a:r>
+            <a:r>
+              <a:rPr lang="zh-CN" altLang="en-US" sz="1600" smtClean="0">
+                <a:latin typeface="Microsoft YaHei Mono" pitchFamily="49" charset="-122"/>
+                <a:ea typeface="Microsoft YaHei Mono" pitchFamily="49" charset="-122"/>
+              </a:rPr>
+              <a:t>文件</a:t>
+            </a:r>
+            <a:r>
+              <a:rPr lang="zh-CN" altLang="en-US" sz="1600">
+                <a:latin typeface="Microsoft YaHei Mono" pitchFamily="49" charset="-122"/>
+                <a:ea typeface="Microsoft YaHei Mono" pitchFamily="49" charset="-122"/>
+              </a:rPr>
+              <a:t>初始化</a:t>
+            </a:r>
+            <a:r>
+              <a:rPr lang="zh-CN" altLang="en-US" sz="1600" smtClean="0">
+                <a:latin typeface="Microsoft YaHei Mono" pitchFamily="49" charset="-122"/>
+                <a:ea typeface="Microsoft YaHei Mono" pitchFamily="49" charset="-122"/>
+              </a:rPr>
+              <a:t>：</a:t>
+            </a:r>
+            <a:r>
+              <a:rPr lang="en-US" altLang="zh-CN" sz="1600">
+                <a:latin typeface="Microsoft YaHei Mono" pitchFamily="49" charset="-122"/>
+                <a:ea typeface="Microsoft YaHei Mono" pitchFamily="49" charset="-122"/>
+              </a:rPr>
+              <a:t>rt_tcpdump_pcap_file_init</a:t>
+            </a:r>
+            <a:endParaRPr lang="zh-CN" altLang="en-US" sz="1600">
+              <a:latin typeface="Microsoft YaHei Mono" pitchFamily="49" charset="-122"/>
+              <a:ea typeface="Microsoft YaHei Mono" pitchFamily="49" charset="-122"/>
+            </a:endParaRPr>
+          </a:p>
+        </p:txBody>
+      </p:sp>
+      <p:sp>
+        <p:nvSpPr>
+          <p:cNvPr id="46" name="圆角矩形 45"/>
+          <p:cNvSpPr/>
+          <p:nvPr/>
+        </p:nvSpPr>
+        <p:spPr>
+          <a:xfrm>
+            <a:off x="5498503" y="4458841"/>
+            <a:ext cx="5431168" cy="696366"/>
+          </a:xfrm>
+          <a:prstGeom prst="roundRect">
+            <a:avLst/>
+          </a:prstGeom>
+        </p:spPr>
+        <p:style>
+          <a:lnRef idx="2">
+            <a:schemeClr val="accent5">
+              <a:shade val="50000"/>
+            </a:schemeClr>
+          </a:lnRef>
+          <a:fillRef idx="1">
+            <a:schemeClr val="accent5"/>
+          </a:fillRef>
+          <a:effectRef idx="0">
+            <a:schemeClr val="accent5"/>
+          </a:effectRef>
+          <a:fontRef idx="minor">
+            <a:schemeClr val="lt1"/>
+          </a:fontRef>
+        </p:style>
+        <p:txBody>
+          <a:bodyPr rtlCol="0" anchor="ctr"/>
+          <a:lstStyle/>
+          <a:p>
+            <a:pPr algn="ctr"/>
+            <a:r>
+              <a:rPr lang="en-US" altLang="zh-CN" sz="1600">
+                <a:latin typeface="Microsoft YaHei Mono" pitchFamily="49" charset="-122"/>
+                <a:ea typeface="Microsoft YaHei Mono" pitchFamily="49" charset="-122"/>
+              </a:rPr>
+              <a:t>p</a:t>
+            </a:r>
+            <a:r>
+              <a:rPr lang="en-US" altLang="zh-CN" sz="1600" smtClean="0">
+                <a:latin typeface="Microsoft YaHei Mono" pitchFamily="49" charset="-122"/>
+                <a:ea typeface="Microsoft YaHei Mono" pitchFamily="49" charset="-122"/>
+              </a:rPr>
+              <a:t>cap</a:t>
+            </a:r>
+            <a:r>
+              <a:rPr lang="zh-CN" altLang="en-US" sz="1600" smtClean="0">
+                <a:latin typeface="Microsoft YaHei Mono" pitchFamily="49" charset="-122"/>
+                <a:ea typeface="Microsoft YaHei Mono" pitchFamily="49" charset="-122"/>
+              </a:rPr>
+              <a:t>格式文件</a:t>
+            </a:r>
+            <a:r>
+              <a:rPr lang="zh-CN" altLang="en-US" sz="1600">
+                <a:latin typeface="Microsoft YaHei Mono" pitchFamily="49" charset="-122"/>
+                <a:ea typeface="Microsoft YaHei Mono" pitchFamily="49" charset="-122"/>
+              </a:rPr>
+              <a:t>保存</a:t>
+            </a:r>
+            <a:r>
+              <a:rPr lang="zh-CN" altLang="en-US" sz="1600" smtClean="0">
+                <a:latin typeface="Microsoft YaHei Mono" pitchFamily="49" charset="-122"/>
+                <a:ea typeface="Microsoft YaHei Mono" pitchFamily="49" charset="-122"/>
+              </a:rPr>
+              <a:t>：</a:t>
+            </a:r>
+            <a:r>
+              <a:rPr lang="en-US" altLang="zh-CN" sz="1600">
+                <a:latin typeface="Microsoft YaHei Mono" pitchFamily="49" charset="-122"/>
+                <a:ea typeface="Microsoft YaHei Mono" pitchFamily="49" charset="-122"/>
+              </a:rPr>
+              <a:t>rt_tcpdump_pcap_file_save</a:t>
+            </a:r>
+            <a:endParaRPr lang="zh-CN" altLang="en-US" sz="1600">
+              <a:latin typeface="Microsoft YaHei Mono" pitchFamily="49" charset="-122"/>
+              <a:ea typeface="Microsoft YaHei Mono" pitchFamily="49" charset="-122"/>
+            </a:endParaRPr>
+          </a:p>
+        </p:txBody>
+      </p:sp>
+      <p:sp>
+        <p:nvSpPr>
+          <p:cNvPr id="3" name="圆角矩形 2"/>
+          <p:cNvSpPr/>
+          <p:nvPr/>
+        </p:nvSpPr>
+        <p:spPr>
+          <a:xfrm>
+            <a:off x="4583832" y="1372379"/>
+            <a:ext cx="7328055" cy="5333321"/>
+          </a:xfrm>
+          <a:prstGeom prst="roundRect">
+            <a:avLst/>
+          </a:prstGeom>
+          <a:noFill/>
+          <a:effectLst>
+            <a:outerShdw blurRad="50800" dist="38100" dir="2700000" algn="tl" rotWithShape="0">
+              <a:prstClr val="black">
+                <a:alpha val="40000"/>
+              </a:prstClr>
+            </a:outerShdw>
+          </a:effectLst>
+        </p:spPr>
+        <p:style>
+          <a:lnRef idx="2">
+            <a:schemeClr val="dk1">
+              <a:shade val="50000"/>
+            </a:schemeClr>
+          </a:lnRef>
+          <a:fillRef idx="1">
+            <a:schemeClr val="dk1"/>
+          </a:fillRef>
+          <a:effectRef idx="0">
+            <a:schemeClr val="dk1"/>
+          </a:effectRef>
+          <a:fontRef idx="minor">
+            <a:schemeClr val="lt1"/>
+          </a:fontRef>
+        </p:style>
+        <p:txBody>
+          <a:bodyPr rtlCol="0" anchor="t"/>
+          <a:lstStyle/>
+          <a:p>
+            <a:pPr algn="ctr"/>
+            <a:r>
+              <a:rPr lang="en-US" altLang="zh-CN" sz="2000" smtClean="0">
+                <a:solidFill>
+                  <a:schemeClr val="accent2">
+                    <a:lumMod val="75000"/>
+                  </a:schemeClr>
+                </a:solidFill>
+                <a:latin typeface="Microsoft YaHei Mono" pitchFamily="49" charset="-122"/>
+                <a:ea typeface="Microsoft YaHei Mono" pitchFamily="49" charset="-122"/>
+              </a:rPr>
+              <a:t>tcpdump</a:t>
+            </a:r>
+            <a:r>
+              <a:rPr lang="zh-CN" altLang="en-US" sz="2000" smtClean="0">
+                <a:solidFill>
+                  <a:schemeClr val="accent2">
+                    <a:lumMod val="75000"/>
+                  </a:schemeClr>
+                </a:solidFill>
+                <a:latin typeface="Microsoft YaHei Mono" pitchFamily="49" charset="-122"/>
+                <a:ea typeface="Microsoft YaHei Mono" pitchFamily="49" charset="-122"/>
+              </a:rPr>
+              <a:t>线程入口：</a:t>
+            </a:r>
+            <a:r>
+              <a:rPr lang="en-US" altLang="zh-CN" sz="2000">
+                <a:solidFill>
+                  <a:schemeClr val="accent2">
+                    <a:lumMod val="75000"/>
+                  </a:schemeClr>
+                </a:solidFill>
+                <a:latin typeface="Microsoft YaHei Mono" pitchFamily="49" charset="-122"/>
+                <a:ea typeface="Microsoft YaHei Mono" pitchFamily="49" charset="-122"/>
+              </a:rPr>
+              <a:t>rt_tcp_dump_thread</a:t>
+            </a:r>
+            <a:endParaRPr lang="zh-CN" altLang="en-US" sz="2000">
+              <a:solidFill>
+                <a:schemeClr val="accent2">
+                  <a:lumMod val="75000"/>
+                </a:schemeClr>
+              </a:solidFill>
+              <a:latin typeface="Microsoft YaHei Mono" pitchFamily="49" charset="-122"/>
+              <a:ea typeface="Microsoft YaHei Mono" pitchFamily="49" charset="-122"/>
+            </a:endParaRPr>
+          </a:p>
+        </p:txBody>
+      </p:sp>
+      <p:sp>
+        <p:nvSpPr>
+          <p:cNvPr id="9" name="右箭头 8"/>
+          <p:cNvSpPr/>
+          <p:nvPr/>
+        </p:nvSpPr>
+        <p:spPr>
+          <a:xfrm rot="20679309">
+            <a:off x="3674761" y="2675402"/>
+            <a:ext cx="839810" cy="357917"/>
           </a:xfrm>
           <a:prstGeom prst="rightArrow">
             <a:avLst/>
@@ -7710,14 +8032,14 @@
       </p:sp>
       <p:sp>
         <p:nvSpPr>
-          <p:cNvPr id="39" name="圆角矩形 38"/>
+          <p:cNvPr id="28" name="圆角矩形 27"/>
           <p:cNvSpPr/>
           <p:nvPr/>
         </p:nvSpPr>
         <p:spPr>
           <a:xfrm>
-            <a:off x="4652669" y="2008377"/>
-            <a:ext cx="5157952" cy="684412"/>
+            <a:off x="5498503" y="5555000"/>
+            <a:ext cx="5431168" cy="696366"/>
           </a:xfrm>
           <a:prstGeom prst="roundRect">
             <a:avLst/>
@@ -7745,35 +8067,119 @@
           <a:p>
             <a:pPr algn="ctr"/>
             <a:r>
-              <a:rPr lang="zh-CN" altLang="en-US" smtClean="0"/>
-              <a:t>从接口处</a:t>
-            </a:r>
-            <a:r>
-              <a:rPr lang="zh-CN" altLang="en-US"/>
-              <a:t>获得</a:t>
-            </a:r>
-            <a:r>
-              <a:rPr lang="zh-CN" altLang="en-US" smtClean="0"/>
-              <a:t>数据：</a:t>
-            </a:r>
-            <a:r>
-              <a:rPr lang="en-US" altLang="zh-CN"/>
-              <a:t>rt_tcpdump_ip_mess_recv</a:t>
-            </a:r>
-            <a:endParaRPr lang="zh-CN" altLang="en-US"/>
+              <a:rPr lang="zh-CN" altLang="en-US" sz="1600" smtClean="0">
+                <a:latin typeface="Microsoft YaHei Mono" pitchFamily="49" charset="-122"/>
+                <a:ea typeface="Microsoft YaHei Mono" pitchFamily="49" charset="-122"/>
+              </a:rPr>
+              <a:t>保存完毕关闭文件</a:t>
+            </a:r>
+            <a:r>
+              <a:rPr lang="zh-CN" altLang="en-US" sz="1600" smtClean="0">
+                <a:latin typeface="Microsoft YaHei Mono" pitchFamily="49" charset="-122"/>
+                <a:ea typeface="Microsoft YaHei Mono" pitchFamily="49" charset="-122"/>
+              </a:rPr>
+              <a:t>：</a:t>
+            </a:r>
+            <a:r>
+              <a:rPr lang="en-US" altLang="zh-CN" sz="1600">
+                <a:latin typeface="Microsoft YaHei Mono" pitchFamily="49" charset="-122"/>
+                <a:ea typeface="Microsoft YaHei Mono" pitchFamily="49" charset="-122"/>
+              </a:rPr>
+              <a:t>rt_tcpdump_pcap_file_close</a:t>
+            </a:r>
+            <a:endParaRPr lang="zh-CN" altLang="en-US" sz="1600">
+              <a:latin typeface="Microsoft YaHei Mono" pitchFamily="49" charset="-122"/>
+              <a:ea typeface="Microsoft YaHei Mono" pitchFamily="49" charset="-122"/>
+            </a:endParaRPr>
           </a:p>
         </p:txBody>
       </p:sp>
+      <p:cxnSp>
+        <p:nvCxnSpPr>
+          <p:cNvPr id="26" name="肘形连接符 25"/>
+          <p:cNvCxnSpPr>
+            <a:stCxn id="46" idx="3"/>
+            <a:endCxn id="39" idx="3"/>
+          </p:cNvCxnSpPr>
+          <p:nvPr/>
+        </p:nvCxnSpPr>
+        <p:spPr>
+          <a:xfrm flipV="1">
+            <a:off x="10929671" y="2611590"/>
+            <a:ext cx="12700" cy="2195434"/>
+          </a:xfrm>
+          <a:prstGeom prst="bentConnector3">
+            <a:avLst>
+              <a:gd name="adj1" fmla="val 2269567"/>
+            </a:avLst>
+          </a:prstGeom>
+          <a:ln>
+            <a:tailEnd type="arrow"/>
+          </a:ln>
+        </p:spPr>
+        <p:style>
+          <a:lnRef idx="1">
+            <a:schemeClr val="accent3"/>
+          </a:lnRef>
+          <a:fillRef idx="0">
+            <a:schemeClr val="accent3"/>
+          </a:fillRef>
+          <a:effectRef idx="0">
+            <a:schemeClr val="accent3"/>
+          </a:effectRef>
+          <a:fontRef idx="minor">
+            <a:schemeClr val="tx1"/>
+          </a:fontRef>
+        </p:style>
+      </p:cxnSp>
+      <p:cxnSp>
+        <p:nvCxnSpPr>
+          <p:cNvPr id="51" name="肘形连接符 50"/>
+          <p:cNvCxnSpPr>
+            <a:stCxn id="39" idx="1"/>
+            <a:endCxn id="46" idx="1"/>
+          </p:cNvCxnSpPr>
+          <p:nvPr/>
+        </p:nvCxnSpPr>
+        <p:spPr>
+          <a:xfrm rot="10800000" flipV="1">
+            <a:off x="5498504" y="2611590"/>
+            <a:ext cx="21433" cy="2195434"/>
+          </a:xfrm>
+          <a:prstGeom prst="bentConnector3">
+            <a:avLst>
+              <a:gd name="adj1" fmla="val 1212952"/>
+            </a:avLst>
+          </a:prstGeom>
+          <a:ln>
+            <a:tailEnd type="arrow"/>
+          </a:ln>
+        </p:spPr>
+        <p:style>
+          <a:lnRef idx="1">
+            <a:schemeClr val="accent3"/>
+          </a:lnRef>
+          <a:fillRef idx="0">
+            <a:schemeClr val="accent3"/>
+          </a:fillRef>
+          <a:effectRef idx="0">
+            <a:schemeClr val="accent3"/>
+          </a:effectRef>
+          <a:fontRef idx="minor">
+            <a:schemeClr val="tx1"/>
+          </a:fontRef>
+        </p:style>
+      </p:cxnSp>
       <p:sp>
         <p:nvSpPr>
-          <p:cNvPr id="41" name="下箭头 40"/>
+          <p:cNvPr id="53" name="下箭头 52"/>
           <p:cNvSpPr/>
           <p:nvPr/>
         </p:nvSpPr>
         <p:spPr>
           <a:xfrm>
-            <a:off x="1769066" y="2163427"/>
-            <a:ext cx="190895" cy="374312"/>
+            <a:off x="119336" y="1628801"/>
+            <a:ext cx="720081" cy="4896544"/>
           </a:xfrm>
           <a:prstGeom prst="downArrow">
             <a:avLst/>
@@ -7781,412 +8187,46 @@
         </p:spPr>
         <p:style>
           <a:lnRef idx="2">
-            <a:schemeClr val="accent3">
-              <a:shade val="50000"/>
-            </a:schemeClr>
+            <a:schemeClr val="accent2"/>
           </a:lnRef>
           <a:fillRef idx="1">
-            <a:schemeClr val="accent3"/>
+            <a:schemeClr val="lt1"/>
           </a:fillRef>
           <a:effectRef idx="0">
-            <a:schemeClr val="accent3"/>
+            <a:schemeClr val="accent2"/>
           </a:effectRef>
           <a:fontRef idx="minor">
-            <a:schemeClr val="lt1"/>
+            <a:schemeClr val="dk1"/>
           </a:fontRef>
         </p:style>
         <p:txBody>
-          <a:bodyPr rtlCol="0" anchor="ctr"/>
+          <a:bodyPr vert="wordArtVertRtl" rtlCol="0" anchor="ctr"/>
           <a:lstStyle/>
           <a:p>
             <a:pPr algn="ctr"/>
-            <a:endParaRPr lang="zh-CN" altLang="en-US"/>
-          </a:p>
-        </p:txBody>
-      </p:sp>
-      <p:sp>
-        <p:nvSpPr>
-          <p:cNvPr id="42" name="下箭头 41"/>
-          <p:cNvSpPr/>
-          <p:nvPr/>
-        </p:nvSpPr>
-        <p:spPr>
-          <a:xfrm>
-            <a:off x="1769064" y="3288522"/>
-            <a:ext cx="190895" cy="374312"/>
-          </a:xfrm>
-          <a:prstGeom prst="downArrow">
-            <a:avLst/>
-          </a:prstGeom>
-        </p:spPr>
-        <p:style>
-          <a:lnRef idx="2">
-            <a:schemeClr val="accent3">
-              <a:shade val="50000"/>
-            </a:schemeClr>
-          </a:lnRef>
-          <a:fillRef idx="1">
-            <a:schemeClr val="accent3"/>
-          </a:fillRef>
-          <a:effectRef idx="0">
-            <a:schemeClr val="accent3"/>
-          </a:effectRef>
-          <a:fontRef idx="minor">
-            <a:schemeClr val="lt1"/>
-          </a:fontRef>
-        </p:style>
-        <p:txBody>
-          <a:bodyPr rtlCol="0" anchor="ctr"/>
-          <a:lstStyle/>
-          <a:p>
-            <a:pPr algn="ctr"/>
-            <a:endParaRPr lang="zh-CN" altLang="en-US"/>
-          </a:p>
-        </p:txBody>
-      </p:sp>
-      <p:sp>
-        <p:nvSpPr>
-          <p:cNvPr id="43" name="下箭头 42"/>
-          <p:cNvSpPr/>
-          <p:nvPr/>
-        </p:nvSpPr>
-        <p:spPr>
-          <a:xfrm>
-            <a:off x="1769062" y="4427398"/>
-            <a:ext cx="190895" cy="374312"/>
-          </a:xfrm>
-          <a:prstGeom prst="downArrow">
-            <a:avLst/>
-          </a:prstGeom>
-        </p:spPr>
-        <p:style>
-          <a:lnRef idx="2">
-            <a:schemeClr val="accent3">
-              <a:shade val="50000"/>
-            </a:schemeClr>
-          </a:lnRef>
-          <a:fillRef idx="1">
-            <a:schemeClr val="accent3"/>
-          </a:fillRef>
-          <a:effectRef idx="0">
-            <a:schemeClr val="accent3"/>
-          </a:effectRef>
-          <a:fontRef idx="minor">
-            <a:schemeClr val="lt1"/>
-          </a:fontRef>
-        </p:style>
-        <p:txBody>
-          <a:bodyPr rtlCol="0" anchor="ctr"/>
-          <a:lstStyle/>
-          <a:p>
-            <a:pPr algn="ctr"/>
-            <a:endParaRPr lang="zh-CN" altLang="en-US"/>
-          </a:p>
-        </p:txBody>
-      </p:sp>
-      <p:sp>
-        <p:nvSpPr>
-          <p:cNvPr id="44" name="下箭头 43"/>
-          <p:cNvSpPr/>
-          <p:nvPr/>
-        </p:nvSpPr>
-        <p:spPr>
-          <a:xfrm>
-            <a:off x="1769061" y="5615649"/>
-            <a:ext cx="190895" cy="374312"/>
-          </a:xfrm>
-          <a:prstGeom prst="downArrow">
-            <a:avLst/>
-          </a:prstGeom>
-        </p:spPr>
-        <p:style>
-          <a:lnRef idx="2">
-            <a:schemeClr val="accent3">
-              <a:shade val="50000"/>
-            </a:schemeClr>
-          </a:lnRef>
-          <a:fillRef idx="1">
-            <a:schemeClr val="accent3"/>
-          </a:fillRef>
-          <a:effectRef idx="0">
-            <a:schemeClr val="accent3"/>
-          </a:effectRef>
-          <a:fontRef idx="minor">
-            <a:schemeClr val="lt1"/>
-          </a:fontRef>
-        </p:style>
-        <p:txBody>
-          <a:bodyPr rtlCol="0" anchor="ctr"/>
-          <a:lstStyle/>
-          <a:p>
-            <a:pPr algn="ctr"/>
-            <a:endParaRPr lang="zh-CN" altLang="en-US"/>
-          </a:p>
-        </p:txBody>
-      </p:sp>
-      <p:sp>
-        <p:nvSpPr>
-          <p:cNvPr id="45" name="圆角矩形 44"/>
-          <p:cNvSpPr/>
-          <p:nvPr/>
-        </p:nvSpPr>
-        <p:spPr>
-          <a:xfrm>
-            <a:off x="4667474" y="3662834"/>
-            <a:ext cx="5157952" cy="684412"/>
-          </a:xfrm>
-          <a:prstGeom prst="roundRect">
-            <a:avLst/>
-          </a:prstGeom>
-        </p:spPr>
-        <p:style>
-          <a:lnRef idx="2">
-            <a:schemeClr val="accent5">
-              <a:shade val="50000"/>
-            </a:schemeClr>
-          </a:lnRef>
-          <a:fillRef idx="1">
-            <a:schemeClr val="accent5"/>
-          </a:fillRef>
-          <a:effectRef idx="0">
-            <a:schemeClr val="accent5"/>
-          </a:effectRef>
-          <a:fontRef idx="minor">
-            <a:schemeClr val="lt1"/>
-          </a:fontRef>
-        </p:style>
-        <p:txBody>
-          <a:bodyPr rtlCol="0" anchor="ctr"/>
-          <a:lstStyle/>
-          <a:p>
-            <a:pPr algn="ctr"/>
-            <a:r>
-              <a:rPr lang="en-US" altLang="zh-CN"/>
-              <a:t>p</a:t>
-            </a:r>
-            <a:r>
-              <a:rPr lang="en-US" altLang="zh-CN" smtClean="0"/>
-              <a:t>cap</a:t>
-            </a:r>
-            <a:r>
-              <a:rPr lang="zh-CN" altLang="en-US" smtClean="0"/>
-              <a:t>格式文件创建：</a:t>
-            </a:r>
-            <a:r>
-              <a:rPr lang="en-US" altLang="zh-CN"/>
-              <a:t>rt_tcpdump_pcap_file_create</a:t>
-            </a:r>
-            <a:endParaRPr lang="zh-CN" altLang="en-US"/>
-          </a:p>
-        </p:txBody>
-      </p:sp>
-      <p:sp>
-        <p:nvSpPr>
-          <p:cNvPr id="46" name="圆角矩形 45"/>
-          <p:cNvSpPr/>
-          <p:nvPr/>
-        </p:nvSpPr>
-        <p:spPr>
-          <a:xfrm>
-            <a:off x="4667474" y="5460599"/>
-            <a:ext cx="5157952" cy="684412"/>
-          </a:xfrm>
-          <a:prstGeom prst="roundRect">
-            <a:avLst/>
-          </a:prstGeom>
-        </p:spPr>
-        <p:style>
-          <a:lnRef idx="2">
-            <a:schemeClr val="accent5">
-              <a:shade val="50000"/>
-            </a:schemeClr>
-          </a:lnRef>
-          <a:fillRef idx="1">
-            <a:schemeClr val="accent5"/>
-          </a:fillRef>
-          <a:effectRef idx="0">
-            <a:schemeClr val="accent5"/>
-          </a:effectRef>
-          <a:fontRef idx="minor">
-            <a:schemeClr val="lt1"/>
-          </a:fontRef>
-        </p:style>
-        <p:txBody>
-          <a:bodyPr rtlCol="0" anchor="ctr"/>
-          <a:lstStyle/>
-          <a:p>
-            <a:pPr algn="ctr"/>
-            <a:r>
-              <a:rPr lang="en-US" altLang="zh-CN"/>
-              <a:t>p</a:t>
-            </a:r>
-            <a:r>
-              <a:rPr lang="en-US" altLang="zh-CN" smtClean="0"/>
-              <a:t>cap</a:t>
-            </a:r>
-            <a:r>
-              <a:rPr lang="zh-CN" altLang="en-US" smtClean="0"/>
-              <a:t>格式文件</a:t>
-            </a:r>
-            <a:r>
-              <a:rPr lang="zh-CN" altLang="en-US"/>
-              <a:t>保存</a:t>
-            </a:r>
-            <a:r>
-              <a:rPr lang="zh-CN" altLang="en-US" smtClean="0"/>
-              <a:t>：</a:t>
-            </a:r>
-            <a:r>
-              <a:rPr lang="en-US" altLang="zh-CN" smtClean="0"/>
-              <a:t>rt_tcpdump_pcap_file_save</a:t>
-            </a:r>
-            <a:endParaRPr lang="zh-CN" altLang="en-US"/>
-          </a:p>
-        </p:txBody>
-      </p:sp>
-      <p:sp>
-        <p:nvSpPr>
-          <p:cNvPr id="47" name="下箭头 46"/>
-          <p:cNvSpPr/>
-          <p:nvPr/>
-        </p:nvSpPr>
-        <p:spPr>
-          <a:xfrm>
-            <a:off x="5618357" y="2866293"/>
-            <a:ext cx="288032" cy="650190"/>
-          </a:xfrm>
-          <a:prstGeom prst="downArrow">
-            <a:avLst/>
-          </a:prstGeom>
-        </p:spPr>
-        <p:style>
-          <a:lnRef idx="2">
-            <a:schemeClr val="accent3">
-              <a:shade val="50000"/>
-            </a:schemeClr>
-          </a:lnRef>
-          <a:fillRef idx="1">
-            <a:schemeClr val="accent3"/>
-          </a:fillRef>
-          <a:effectRef idx="0">
-            <a:schemeClr val="accent3"/>
-          </a:effectRef>
-          <a:fontRef idx="minor">
-            <a:schemeClr val="lt1"/>
-          </a:fontRef>
-        </p:style>
-        <p:txBody>
-          <a:bodyPr rtlCol="0" anchor="ctr"/>
-          <a:lstStyle/>
-          <a:p>
-            <a:pPr algn="ctr"/>
-            <a:endParaRPr lang="zh-CN" altLang="en-US"/>
-          </a:p>
-        </p:txBody>
-      </p:sp>
-      <p:sp>
-        <p:nvSpPr>
-          <p:cNvPr id="48" name="下箭头 47"/>
-          <p:cNvSpPr/>
-          <p:nvPr/>
-        </p:nvSpPr>
-        <p:spPr>
-          <a:xfrm>
-            <a:off x="5618357" y="4567153"/>
-            <a:ext cx="288032" cy="650190"/>
-          </a:xfrm>
-          <a:prstGeom prst="downArrow">
-            <a:avLst/>
-          </a:prstGeom>
-        </p:spPr>
-        <p:style>
-          <a:lnRef idx="2">
-            <a:schemeClr val="accent3">
-              <a:shade val="50000"/>
-            </a:schemeClr>
-          </a:lnRef>
-          <a:fillRef idx="1">
-            <a:schemeClr val="accent3"/>
-          </a:fillRef>
-          <a:effectRef idx="0">
-            <a:schemeClr val="accent3"/>
-          </a:effectRef>
-          <a:fontRef idx="minor">
-            <a:schemeClr val="lt1"/>
-          </a:fontRef>
-        </p:style>
-        <p:txBody>
-          <a:bodyPr rtlCol="0" anchor="ctr"/>
-          <a:lstStyle/>
-          <a:p>
-            <a:pPr algn="ctr"/>
-            <a:endParaRPr lang="zh-CN" altLang="en-US"/>
-          </a:p>
-        </p:txBody>
-      </p:sp>
-      <p:sp>
-        <p:nvSpPr>
-          <p:cNvPr id="49" name="TextBox 48"/>
-          <p:cNvSpPr txBox="1"/>
-          <p:nvPr/>
-        </p:nvSpPr>
-        <p:spPr>
-          <a:xfrm>
-            <a:off x="6156693" y="3006722"/>
-            <a:ext cx="1704313" cy="369332"/>
-          </a:xfrm>
-          <a:prstGeom prst="rect">
-            <a:avLst/>
-          </a:prstGeom>
-          <a:noFill/>
-        </p:spPr>
-        <p:txBody>
-          <a:bodyPr wrap="none" rtlCol="0">
-            <a:spAutoFit/>
-          </a:bodyPr>
-          <a:lstStyle/>
-          <a:p>
-            <a:r>
-              <a:rPr lang="zh-CN" altLang="en-US" smtClean="0">
+            <a:r>
+              <a:rPr lang="en-US" altLang="zh-CN" sz="1600" smtClean="0">
                 <a:solidFill>
-                  <a:schemeClr val="accent3">
-                    <a:lumMod val="75000"/>
-                  </a:schemeClr>
+                  <a:srgbClr val="00B0F0"/>
                 </a:solidFill>
                 <a:latin typeface="Microsoft YaHei Mono" pitchFamily="49" charset="-122"/>
                 <a:ea typeface="Microsoft YaHei Mono" pitchFamily="49" charset="-122"/>
               </a:rPr>
-              <a:t>通过</a:t>
-            </a:r>
-            <a:r>
-              <a:rPr lang="en-US" altLang="zh-CN" smtClean="0">
+              <a:t>TX</a:t>
+            </a:r>
+            <a:r>
+              <a:rPr lang="zh-CN" altLang="en-US" sz="1600" smtClean="0">
                 <a:solidFill>
-                  <a:schemeClr val="accent3">
-                    <a:lumMod val="75000"/>
-                  </a:schemeClr>
+                  <a:srgbClr val="00B0F0"/>
                 </a:solidFill>
                 <a:latin typeface="Microsoft YaHei Mono" pitchFamily="49" charset="-122"/>
                 <a:ea typeface="Microsoft YaHei Mono" pitchFamily="49" charset="-122"/>
               </a:rPr>
-              <a:t>FIFO</a:t>
-            </a:r>
-            <a:r>
-              <a:rPr lang="zh-CN" altLang="en-US" smtClean="0">
-                <a:solidFill>
-                  <a:schemeClr val="accent3">
-                    <a:lumMod val="75000"/>
-                  </a:schemeClr>
-                </a:solidFill>
-                <a:latin typeface="Microsoft YaHei Mono" pitchFamily="49" charset="-122"/>
-                <a:ea typeface="Microsoft YaHei Mono" pitchFamily="49" charset="-122"/>
-              </a:rPr>
-              <a:t>发送</a:t>
-            </a:r>
-            <a:endParaRPr lang="zh-CN" altLang="en-US">
+              <a:t>数据流向</a:t>
+            </a:r>
+            <a:endParaRPr lang="zh-CN" altLang="en-US" sz="1600">
               <a:solidFill>
-                <a:schemeClr val="accent3">
-                  <a:lumMod val="75000"/>
-                </a:schemeClr>
+                <a:srgbClr val="00B0F0"/>
               </a:solidFill>
               <a:latin typeface="Microsoft YaHei Mono" pitchFamily="49" charset="-122"/>
               <a:ea typeface="Microsoft YaHei Mono" pitchFamily="49" charset="-122"/>
@@ -8196,74 +8236,39 @@
       </p:sp>
       <p:sp>
         <p:nvSpPr>
-          <p:cNvPr id="50" name="TextBox 49"/>
-          <p:cNvSpPr txBox="1"/>
+          <p:cNvPr id="55" name="下箭头 54"/>
+          <p:cNvSpPr/>
           <p:nvPr/>
         </p:nvSpPr>
         <p:spPr>
           <a:xfrm>
-            <a:off x="6156693" y="4707582"/>
-            <a:ext cx="2210862" cy="369332"/>
+            <a:off x="11332166" y="2492896"/>
+            <a:ext cx="432048" cy="3528392"/>
           </a:xfrm>
-          <a:prstGeom prst="rect">
+          <a:prstGeom prst="downArrow">
             <a:avLst/>
           </a:prstGeom>
-          <a:noFill/>
         </p:spPr>
+        <p:style>
+          <a:lnRef idx="2">
+            <a:schemeClr val="accent5"/>
+          </a:lnRef>
+          <a:fillRef idx="1">
+            <a:schemeClr val="lt1"/>
+          </a:fillRef>
+          <a:effectRef idx="0">
+            <a:schemeClr val="accent5"/>
+          </a:effectRef>
+          <a:fontRef idx="minor">
+            <a:schemeClr val="dk1"/>
+          </a:fontRef>
+        </p:style>
         <p:txBody>
-          <a:bodyPr wrap="none" rtlCol="0">
-            <a:spAutoFit/>
-          </a:bodyPr>
+          <a:bodyPr rtlCol="0" anchor="ctr"/>
           <a:lstStyle/>
           <a:p>
-            <a:r>
-              <a:rPr lang="en-US" altLang="zh-CN">
-                <a:solidFill>
-                  <a:schemeClr val="accent3">
-                    <a:lumMod val="75000"/>
-                  </a:schemeClr>
-                </a:solidFill>
-                <a:latin typeface="Microsoft YaHei Mono" pitchFamily="49" charset="-122"/>
-                <a:ea typeface="Microsoft YaHei Mono" pitchFamily="49" charset="-122"/>
-              </a:rPr>
-              <a:t>pcap</a:t>
-            </a:r>
-            <a:r>
-              <a:rPr lang="zh-CN" altLang="en-US">
-                <a:solidFill>
-                  <a:schemeClr val="accent3">
-                    <a:lumMod val="75000"/>
-                  </a:schemeClr>
-                </a:solidFill>
-                <a:latin typeface="Microsoft YaHei Mono" pitchFamily="49" charset="-122"/>
-                <a:ea typeface="Microsoft YaHei Mono" pitchFamily="49" charset="-122"/>
-              </a:rPr>
-              <a:t>文件保存</a:t>
-            </a:r>
-            <a:r>
-              <a:rPr lang="en-US" altLang="zh-CN">
-                <a:solidFill>
-                  <a:schemeClr val="accent3">
-                    <a:lumMod val="75000"/>
-                  </a:schemeClr>
-                </a:solidFill>
-                <a:latin typeface="Microsoft YaHei Mono" pitchFamily="49" charset="-122"/>
-                <a:ea typeface="Microsoft YaHei Mono" pitchFamily="49" charset="-122"/>
-              </a:rPr>
-              <a:t>SD</a:t>
-            </a:r>
-            <a:r>
-              <a:rPr lang="zh-CN" altLang="en-US">
-                <a:solidFill>
-                  <a:schemeClr val="accent3">
-                    <a:lumMod val="75000"/>
-                  </a:schemeClr>
-                </a:solidFill>
-                <a:latin typeface="Microsoft YaHei Mono" pitchFamily="49" charset="-122"/>
-                <a:ea typeface="Microsoft YaHei Mono" pitchFamily="49" charset="-122"/>
-              </a:rPr>
-              <a:t>卡</a:t>
-            </a:r>
+            <a:pPr algn="ctr"/>
+            <a:endParaRPr lang="zh-CN" altLang="en-US"/>
           </a:p>
         </p:txBody>
       </p:sp>
@@ -8284,6 +8289,76 @@
       </p:par>
     </p:tnLst>
   </p:timing>
+</p:sld>
+</file>
+
+<file path=ppt/slides/slide4.xml><?xml version="1.0" encoding="utf-8"?>
+<p:sld xmlns:a="http://schemas.openxmlformats.org/drawingml/2006/main" xmlns:r="http://schemas.openxmlformats.org/officeDocument/2006/relationships" xmlns:p="http://schemas.openxmlformats.org/presentationml/2006/main">
+  <p:cSld>
+    <p:spTree>
+      <p:nvGrpSpPr>
+        <p:cNvPr id="1" name=""/>
+        <p:cNvGrpSpPr/>
+        <p:nvPr/>
+      </p:nvGrpSpPr>
+      <p:grpSpPr>
+        <a:xfrm>
+          <a:off x="0" y="0"/>
+          <a:ext cx="0" cy="0"/>
+          <a:chOff x="0" y="0"/>
+          <a:chExt cx="0" cy="0"/>
+        </a:xfrm>
+      </p:grpSpPr>
+      <p:sp>
+        <p:nvSpPr>
+          <p:cNvPr id="2" name="标题 1"/>
+          <p:cNvSpPr>
+            <a:spLocks noGrp="1"/>
+          </p:cNvSpPr>
+          <p:nvPr>
+            <p:ph type="title"/>
+          </p:nvPr>
+        </p:nvSpPr>
+        <p:spPr/>
+        <p:txBody>
+          <a:bodyPr/>
+          <a:lstStyle/>
+          <a:p>
+            <a:r>
+              <a:rPr lang="en-US" altLang="zh-CN">
+                <a:latin typeface="Microsoft YaHei Mono" pitchFamily="49" charset="-122"/>
+                <a:ea typeface="Microsoft YaHei Mono" pitchFamily="49" charset="-122"/>
+              </a:rPr>
+              <a:t>tcpdump </a:t>
+            </a:r>
+            <a:r>
+              <a:rPr lang="en-US" altLang="zh-CN" smtClean="0">
+                <a:latin typeface="Microsoft YaHei Mono" pitchFamily="49" charset="-122"/>
+                <a:ea typeface="Microsoft YaHei Mono" pitchFamily="49" charset="-122"/>
+              </a:rPr>
+              <a:t>rx </a:t>
+            </a:r>
+            <a:r>
+              <a:rPr lang="zh-CN" altLang="en-US">
+                <a:latin typeface="Microsoft YaHei Mono" pitchFamily="49" charset="-122"/>
+                <a:ea typeface="Microsoft YaHei Mono" pitchFamily="49" charset="-122"/>
+              </a:rPr>
+              <a:t>数据流向</a:t>
+            </a:r>
+            <a:endParaRPr lang="zh-CN" altLang="en-US"/>
+          </a:p>
+        </p:txBody>
+      </p:sp>
+    </p:spTree>
+    <p:extLst>
+      <p:ext uri="{BB962C8B-B14F-4D97-AF65-F5344CB8AC3E}">
+        <p14:creationId xmlns:p14="http://schemas.microsoft.com/office/powerpoint/2010/main" val="719866128"/>
+      </p:ext>
+    </p:extLst>
+  </p:cSld>
+  <p:clrMapOvr>
+    <a:masterClrMapping/>
+  </p:clrMapOvr>
 </p:sld>
 </file>
 
@@ -8865,7 +8940,7 @@
   <a:extraClrSchemeLst/>
   <a:extLst>
     <a:ext uri="{05A4C25C-085E-4340-85A3-A5531E510DB2}">
-      <thm15:themeFamily xmlns="" xmlns:thm15="http://schemas.microsoft.com/office/thememl/2012/main" name="Office Theme" id="{62F939B6-93AF-4DB8-9C6B-D6C7DFDC589F}" vid="{4A3C46E8-61CC-4603-A589-7422A47A8E4A}"/>
+      <thm15:themeFamily xmlns:thm15="http://schemas.microsoft.com/office/thememl/2012/main" xmlns="" name="Office Theme" id="{62F939B6-93AF-4DB8-9C6B-D6C7DFDC589F}" vid="{4A3C46E8-61CC-4603-A589-7422A47A8E4A}"/>
     </a:ext>
   </a:extLst>
 </a:theme>
